--- a/COVID-19 project 2 presentation.pptx
+++ b/COVID-19 project 2 presentation.pptx
@@ -10022,18 +10022,17 @@
           <p:cNvPicPr preferRelativeResize="0"/>
           <p:nvPr/>
         </p:nvPicPr>
-        <p:blipFill>
+        <p:blipFill rotWithShape="1">
           <a:blip r:embed="rId3">
             <a:alphaModFix/>
           </a:blip>
-          <a:stretch>
-            <a:fillRect/>
-          </a:stretch>
+          <a:srcRect l="16864" r="17284"/>
+          <a:stretch/>
         </p:blipFill>
         <p:spPr>
           <a:xfrm>
-            <a:off x="5864903" y="228600"/>
-            <a:ext cx="4473076" cy="2947401"/>
+            <a:off x="6619285" y="228600"/>
+            <a:ext cx="2945501" cy="2947401"/>
           </a:xfrm>
           <a:prstGeom prst="rect">
             <a:avLst/>
